--- a/docs/prezentacija.pptx
+++ b/docs/prezentacija.pptx
@@ -12,14 +12,15 @@
     <p:sldId id="268" r:id="rId6"/>
     <p:sldId id="269" r:id="rId7"/>
     <p:sldId id="270" r:id="rId8"/>
-    <p:sldId id="267" r:id="rId9"/>
-    <p:sldId id="258" r:id="rId10"/>
-    <p:sldId id="261" r:id="rId11"/>
-    <p:sldId id="262" r:id="rId12"/>
-    <p:sldId id="263" r:id="rId13"/>
-    <p:sldId id="271" r:id="rId14"/>
+    <p:sldId id="271" r:id="rId9"/>
+    <p:sldId id="267" r:id="rId10"/>
+    <p:sldId id="258" r:id="rId11"/>
+    <p:sldId id="261" r:id="rId12"/>
+    <p:sldId id="262" r:id="rId13"/>
+    <p:sldId id="263" r:id="rId14"/>
     <p:sldId id="264" r:id="rId15"/>
-    <p:sldId id="266" r:id="rId16"/>
+    <p:sldId id="272" r:id="rId16"/>
+    <p:sldId id="266" r:id="rId17"/>
   </p:sldIdLst>
   <p:sldSz cx="12192000" cy="6858000"/>
   <p:notesSz cx="6858000" cy="9144000"/>
@@ -352,7 +353,7 @@
           <a:p>
             <a:fld id="{58BAC3D0-EB76-4973-AFF6-CBBD4C60A343}" type="datetimeFigureOut">
               <a:rPr lang="en-GB" smtClean="0"/>
-              <a:t>21/10/2025</a:t>
+              <a:t>22/10/2025</a:t>
             </a:fld>
             <a:endParaRPr lang="en-GB"/>
           </a:p>
@@ -560,7 +561,7 @@
           <a:p>
             <a:fld id="{58BAC3D0-EB76-4973-AFF6-CBBD4C60A343}" type="datetimeFigureOut">
               <a:rPr lang="en-GB" smtClean="0"/>
-              <a:t>21/10/2025</a:t>
+              <a:t>22/10/2025</a:t>
             </a:fld>
             <a:endParaRPr lang="en-GB"/>
           </a:p>
@@ -816,7 +817,7 @@
           <a:p>
             <a:fld id="{58BAC3D0-EB76-4973-AFF6-CBBD4C60A343}" type="datetimeFigureOut">
               <a:rPr lang="en-GB" smtClean="0"/>
-              <a:t>21/10/2025</a:t>
+              <a:t>22/10/2025</a:t>
             </a:fld>
             <a:endParaRPr lang="en-GB"/>
           </a:p>
@@ -990,7 +991,7 @@
           <a:p>
             <a:fld id="{58BAC3D0-EB76-4973-AFF6-CBBD4C60A343}" type="datetimeFigureOut">
               <a:rPr lang="en-GB" smtClean="0"/>
-              <a:t>21/10/2025</a:t>
+              <a:t>22/10/2025</a:t>
             </a:fld>
             <a:endParaRPr lang="en-GB"/>
           </a:p>
@@ -1333,7 +1334,7 @@
           <a:p>
             <a:fld id="{58BAC3D0-EB76-4973-AFF6-CBBD4C60A343}" type="datetimeFigureOut">
               <a:rPr lang="en-GB" smtClean="0"/>
-              <a:t>21/10/2025</a:t>
+              <a:t>22/10/2025</a:t>
             </a:fld>
             <a:endParaRPr lang="en-GB"/>
           </a:p>
@@ -1608,7 +1609,7 @@
           <a:p>
             <a:fld id="{58BAC3D0-EB76-4973-AFF6-CBBD4C60A343}" type="datetimeFigureOut">
               <a:rPr lang="en-GB" smtClean="0"/>
-              <a:t>21/10/2025</a:t>
+              <a:t>22/10/2025</a:t>
             </a:fld>
             <a:endParaRPr lang="en-GB"/>
           </a:p>
@@ -1987,7 +1988,7 @@
           <a:p>
             <a:fld id="{58BAC3D0-EB76-4973-AFF6-CBBD4C60A343}" type="datetimeFigureOut">
               <a:rPr lang="en-GB" smtClean="0"/>
-              <a:t>21/10/2025</a:t>
+              <a:t>22/10/2025</a:t>
             </a:fld>
             <a:endParaRPr lang="en-GB"/>
           </a:p>
@@ -2105,7 +2106,7 @@
           <a:p>
             <a:fld id="{58BAC3D0-EB76-4973-AFF6-CBBD4C60A343}" type="datetimeFigureOut">
               <a:rPr lang="en-GB" smtClean="0"/>
-              <a:t>21/10/2025</a:t>
+              <a:t>22/10/2025</a:t>
             </a:fld>
             <a:endParaRPr lang="en-GB"/>
           </a:p>
@@ -2276,7 +2277,7 @@
           <a:p>
             <a:fld id="{58BAC3D0-EB76-4973-AFF6-CBBD4C60A343}" type="datetimeFigureOut">
               <a:rPr lang="en-GB" smtClean="0"/>
-              <a:t>21/10/2025</a:t>
+              <a:t>22/10/2025</a:t>
             </a:fld>
             <a:endParaRPr lang="en-GB"/>
           </a:p>
@@ -2630,7 +2631,7 @@
           <a:p>
             <a:fld id="{58BAC3D0-EB76-4973-AFF6-CBBD4C60A343}" type="datetimeFigureOut">
               <a:rPr lang="en-GB" smtClean="0"/>
-              <a:t>21/10/2025</a:t>
+              <a:t>22/10/2025</a:t>
             </a:fld>
             <a:endParaRPr lang="en-GB"/>
           </a:p>
@@ -3012,7 +3013,7 @@
           <a:p>
             <a:fld id="{58BAC3D0-EB76-4973-AFF6-CBBD4C60A343}" type="datetimeFigureOut">
               <a:rPr lang="en-GB" smtClean="0"/>
-              <a:t>21/10/2025</a:t>
+              <a:t>22/10/2025</a:t>
             </a:fld>
             <a:endParaRPr lang="en-GB"/>
           </a:p>
@@ -3299,7 +3300,7 @@
           <a:p>
             <a:fld id="{58BAC3D0-EB76-4973-AFF6-CBBD4C60A343}" type="datetimeFigureOut">
               <a:rPr lang="en-GB" smtClean="0"/>
-              <a:t>21/10/2025</a:t>
+              <a:t>22/10/2025</a:t>
             </a:fld>
             <a:endParaRPr lang="en-GB"/>
           </a:p>
@@ -3932,7 +3933,7 @@
           <p:cNvPr id="2" name="Title 1">
             <a:extLst>
               <a:ext uri="{FF2B5EF4-FFF2-40B4-BE49-F238E27FC236}">
-                <a16:creationId xmlns:a16="http://schemas.microsoft.com/office/drawing/2014/main" id="{88E79EF0-BAD9-01FC-181E-2118117ABAC8}"/>
+                <a16:creationId xmlns:a16="http://schemas.microsoft.com/office/drawing/2014/main" id="{0C29BC5B-12EC-9B88-C5F2-8ED7D26681F4}"/>
               </a:ext>
             </a:extLst>
           </p:cNvPr>
@@ -3949,8 +3950,8 @@
           <a:lstStyle/>
           <a:p>
             <a:r>
-              <a:rPr lang="sr-Latn-RS" dirty="0"/>
-              <a:t>Prenos slike</a:t>
+              <a:rPr lang="sr-Latn-RS" dirty="0" err="1"/>
+              <a:t>WebRTC</a:t>
             </a:r>
             <a:endParaRPr lang="en-GB" dirty="0"/>
           </a:p>
@@ -3961,7 +3962,7 @@
           <p:cNvPr id="3" name="Content Placeholder 2">
             <a:extLst>
               <a:ext uri="{FF2B5EF4-FFF2-40B4-BE49-F238E27FC236}">
-                <a16:creationId xmlns:a16="http://schemas.microsoft.com/office/drawing/2014/main" id="{1706760C-A4C3-55F9-139A-5E51B452F872}"/>
+                <a16:creationId xmlns:a16="http://schemas.microsoft.com/office/drawing/2014/main" id="{67B1765A-0A38-AC89-04F6-5B579D706C6D}"/>
               </a:ext>
             </a:extLst>
           </p:cNvPr>
@@ -3979,70 +3980,192 @@
           <a:p>
             <a:r>
               <a:rPr lang="sr-Latn-RS" dirty="0"/>
-              <a:t>Dohvatanje – </a:t>
+              <a:t>Protokol za </a:t>
+            </a:r>
+            <a:r>
+              <a:rPr lang="sr-Latn-RS" i="1" dirty="0" err="1"/>
+              <a:t>peer</a:t>
             </a:r>
             <a:r>
               <a:rPr lang="sr-Latn-RS" i="1" dirty="0"/>
-              <a:t>Windows Desktop </a:t>
+              <a:t>-to-</a:t>
             </a:r>
             <a:r>
               <a:rPr lang="sr-Latn-RS" i="1" dirty="0" err="1"/>
-              <a:t>Duplication</a:t>
+              <a:t>peer</a:t>
             </a:r>
             <a:r>
               <a:rPr lang="sr-Latn-RS" i="1" dirty="0"/>
-              <a:t> API</a:t>
-            </a:r>
-          </a:p>
-          <a:p>
-            <a:r>
-              <a:rPr lang="sr-Latn-RS" dirty="0"/>
-              <a:t>Kodiranje – </a:t>
+              <a:t> </a:t>
+            </a:r>
+            <a:r>
+              <a:rPr lang="sr-Latn-RS" dirty="0"/>
+              <a:t>multimedijalnu komunikaciju</a:t>
+            </a:r>
+          </a:p>
+          <a:p>
+            <a:pPr lvl="1"/>
+            <a:r>
+              <a:rPr lang="sr-Latn-RS" dirty="0"/>
+              <a:t>Direktna veza radi minimalnog kašnjenja</a:t>
+            </a:r>
+          </a:p>
+          <a:p>
+            <a:r>
+              <a:rPr lang="sr-Latn-RS" dirty="0"/>
+              <a:t>Podržan u svim današnjim pretraživačima</a:t>
+            </a:r>
+          </a:p>
+          <a:p>
+            <a:r>
+              <a:rPr lang="sr-Latn-RS" dirty="0"/>
+              <a:t>Uspostavljanje veze – signalizacija (</a:t>
+            </a:r>
+            <a:r>
+              <a:rPr lang="sr-Latn-RS" i="1" dirty="0" err="1"/>
+              <a:t>signalling</a:t>
+            </a:r>
+            <a:r>
+              <a:rPr lang="sr-Latn-RS" dirty="0"/>
+              <a:t>)</a:t>
+            </a:r>
+          </a:p>
+          <a:p>
+            <a:pPr lvl="1"/>
+            <a:r>
+              <a:rPr lang="sr-Latn-RS" dirty="0"/>
+              <a:t>Posrednik – server za signalizaciju (</a:t>
+            </a:r>
+            <a:r>
+              <a:rPr lang="sr-Latn-RS" i="1" dirty="0" err="1"/>
+              <a:t>signalling</a:t>
             </a:r>
             <a:r>
               <a:rPr lang="sr-Latn-RS" i="1" dirty="0"/>
-              <a:t>H.264 </a:t>
-            </a:r>
-            <a:r>
-              <a:rPr lang="sr-Latn-RS" dirty="0"/>
-              <a:t>format</a:t>
+              <a:t> server</a:t>
+            </a:r>
+            <a:r>
+              <a:rPr lang="sr-Latn-RS" dirty="0"/>
+              <a:t>)</a:t>
+            </a:r>
+          </a:p>
+          <a:p>
+            <a:r>
+              <a:rPr lang="sr-Latn-RS" dirty="0"/>
+              <a:t>Problem – komunikacija kroz </a:t>
+            </a:r>
+            <a:r>
+              <a:rPr lang="sr-Latn-RS" i="1" dirty="0"/>
+              <a:t>NAT</a:t>
             </a:r>
           </a:p>
           <a:p>
             <a:pPr lvl="1"/>
             <a:r>
+              <a:rPr lang="sr-Latn-RS" dirty="0"/>
+              <a:t>Rešenje – </a:t>
+            </a:r>
+            <a:r>
+              <a:rPr lang="sr-Latn-RS" i="1" dirty="0" err="1"/>
+              <a:t>Interactive</a:t>
+            </a:r>
+            <a:r>
               <a:rPr lang="sr-Latn-RS" i="1" dirty="0"/>
-              <a:t>NVENC – </a:t>
-            </a:r>
-            <a:r>
-              <a:rPr lang="sr-Latn-RS" dirty="0"/>
-              <a:t>kodiranje na grafičkoj kartici</a:t>
+              <a:t> </a:t>
+            </a:r>
+            <a:r>
+              <a:rPr lang="sr-Latn-RS" i="1" dirty="0" err="1"/>
+              <a:t>Connectivity</a:t>
+            </a:r>
+            <a:r>
+              <a:rPr lang="sr-Latn-RS" i="1" dirty="0"/>
+              <a:t> </a:t>
+            </a:r>
+            <a:r>
+              <a:rPr lang="sr-Latn-RS" i="1" dirty="0" err="1"/>
+              <a:t>Establishment</a:t>
+            </a:r>
+            <a:r>
+              <a:rPr lang="sr-Latn-RS" dirty="0"/>
+              <a:t> (</a:t>
+            </a:r>
+            <a:r>
+              <a:rPr lang="sr-Latn-RS" i="1" dirty="0"/>
+              <a:t>ICE</a:t>
+            </a:r>
+            <a:r>
+              <a:rPr lang="sr-Latn-RS" dirty="0"/>
+              <a:t>)</a:t>
             </a:r>
           </a:p>
           <a:p>
             <a:pPr lvl="1"/>
             <a:r>
-              <a:rPr lang="sr-Latn-RS" dirty="0"/>
-              <a:t>Proces optimizovan za slanje u realnom vremenu</a:t>
-            </a:r>
-          </a:p>
-          <a:p>
-            <a:r>
-              <a:rPr lang="sr-Latn-RS" dirty="0"/>
-              <a:t>Prenos – </a:t>
-            </a:r>
-            <a:r>
-              <a:rPr lang="sr-Latn-RS" i="1" dirty="0" err="1"/>
-              <a:t>WebRTC</a:t>
-            </a:r>
-            <a:endParaRPr lang="sr-Latn-RS" i="1" dirty="0"/>
-          </a:p>
-        </p:txBody>
-      </p:sp>
+              <a:rPr lang="sr-Latn-RS" i="1" dirty="0"/>
+              <a:t>STUN </a:t>
+            </a:r>
+            <a:r>
+              <a:rPr lang="sr-Latn-RS" dirty="0"/>
+              <a:t>i</a:t>
+            </a:r>
+            <a:r>
+              <a:rPr lang="sr-Latn-RS" i="1" dirty="0"/>
+              <a:t> TURN </a:t>
+            </a:r>
+            <a:r>
+              <a:rPr lang="sr-Latn-RS" dirty="0"/>
+              <a:t>serveri</a:t>
+            </a:r>
+          </a:p>
+          <a:p>
+            <a:r>
+              <a:rPr lang="sr-Latn-RS" dirty="0"/>
+              <a:t>U našem sistemu – prenos prikaza igre od servera do korisnika</a:t>
+            </a:r>
+            <a:endParaRPr lang="en-GB" dirty="0"/>
+          </a:p>
+        </p:txBody>
+      </p:sp>
+      <p:pic>
+        <p:nvPicPr>
+          <p:cNvPr id="5" name="Picture 4">
+            <a:extLst>
+              <a:ext uri="{FF2B5EF4-FFF2-40B4-BE49-F238E27FC236}">
+                <a16:creationId xmlns:a16="http://schemas.microsoft.com/office/drawing/2014/main" id="{BB084316-B59F-C8A0-34ED-4E6B412B7120}"/>
+              </a:ext>
+            </a:extLst>
+          </p:cNvPr>
+          <p:cNvPicPr>
+            <a:picLocks noChangeAspect="1"/>
+          </p:cNvPicPr>
+          <p:nvPr/>
+        </p:nvPicPr>
+        <p:blipFill>
+          <a:blip r:embed="rId2">
+            <a:extLst>
+              <a:ext uri="{28A0092B-C50C-407E-A947-70E740481C1C}">
+                <a14:useLocalDpi xmlns:a14="http://schemas.microsoft.com/office/drawing/2010/main" val="0"/>
+              </a:ext>
+            </a:extLst>
+          </a:blip>
+          <a:stretch>
+            <a:fillRect/>
+          </a:stretch>
+        </p:blipFill>
+        <p:spPr>
+          <a:xfrm>
+            <a:off x="6771709" y="2095045"/>
+            <a:ext cx="5036244" cy="2667909"/>
+          </a:xfrm>
+          <a:prstGeom prst="rect">
+            <a:avLst/>
+          </a:prstGeom>
+        </p:spPr>
+      </p:pic>
     </p:spTree>
     <p:extLst>
       <p:ext uri="{BB962C8B-B14F-4D97-AF65-F5344CB8AC3E}">
-        <p14:creationId xmlns:p14="http://schemas.microsoft.com/office/powerpoint/2010/main" val="1884742440"/>
+        <p14:creationId xmlns:p14="http://schemas.microsoft.com/office/powerpoint/2010/main" val="1106862112"/>
       </p:ext>
     </p:extLst>
   </p:cSld>
@@ -4074,6 +4197,210 @@
           <p:cNvPr id="2" name="Title 1">
             <a:extLst>
               <a:ext uri="{FF2B5EF4-FFF2-40B4-BE49-F238E27FC236}">
+                <a16:creationId xmlns:a16="http://schemas.microsoft.com/office/drawing/2014/main" id="{88E79EF0-BAD9-01FC-181E-2118117ABAC8}"/>
+              </a:ext>
+            </a:extLst>
+          </p:cNvPr>
+          <p:cNvSpPr>
+            <a:spLocks noGrp="1"/>
+          </p:cNvSpPr>
+          <p:nvPr>
+            <p:ph type="title"/>
+          </p:nvPr>
+        </p:nvSpPr>
+        <p:spPr/>
+        <p:txBody>
+          <a:bodyPr/>
+          <a:lstStyle/>
+          <a:p>
+            <a:r>
+              <a:rPr lang="sr-Latn-RS" dirty="0"/>
+              <a:t>Prenos slike</a:t>
+            </a:r>
+            <a:endParaRPr lang="en-GB" dirty="0"/>
+          </a:p>
+        </p:txBody>
+      </p:sp>
+      <p:sp>
+        <p:nvSpPr>
+          <p:cNvPr id="3" name="Content Placeholder 2">
+            <a:extLst>
+              <a:ext uri="{FF2B5EF4-FFF2-40B4-BE49-F238E27FC236}">
+                <a16:creationId xmlns:a16="http://schemas.microsoft.com/office/drawing/2014/main" id="{1706760C-A4C3-55F9-139A-5E51B452F872}"/>
+              </a:ext>
+            </a:extLst>
+          </p:cNvPr>
+          <p:cNvSpPr>
+            <a:spLocks noGrp="1"/>
+          </p:cNvSpPr>
+          <p:nvPr>
+            <p:ph idx="1"/>
+          </p:nvPr>
+        </p:nvSpPr>
+        <p:spPr/>
+        <p:txBody>
+          <a:bodyPr/>
+          <a:lstStyle/>
+          <a:p>
+            <a:r>
+              <a:rPr lang="sr-Latn-RS" dirty="0"/>
+              <a:t>Dohvatanje – </a:t>
+            </a:r>
+            <a:r>
+              <a:rPr lang="sr-Latn-RS" i="1" dirty="0"/>
+              <a:t>Windows Desktop </a:t>
+            </a:r>
+            <a:r>
+              <a:rPr lang="sr-Latn-RS" i="1" dirty="0" err="1"/>
+              <a:t>Duplication</a:t>
+            </a:r>
+            <a:r>
+              <a:rPr lang="sr-Latn-RS" i="1" dirty="0"/>
+              <a:t> API</a:t>
+            </a:r>
+          </a:p>
+          <a:p>
+            <a:r>
+              <a:rPr lang="sr-Latn-RS" dirty="0"/>
+              <a:t>Kodiranje – </a:t>
+            </a:r>
+            <a:r>
+              <a:rPr lang="sr-Latn-RS" i="1" dirty="0"/>
+              <a:t>H.264 </a:t>
+            </a:r>
+            <a:r>
+              <a:rPr lang="sr-Latn-RS" dirty="0"/>
+              <a:t>format</a:t>
+            </a:r>
+          </a:p>
+          <a:p>
+            <a:pPr lvl="1"/>
+            <a:r>
+              <a:rPr lang="sr-Latn-RS" i="1" dirty="0"/>
+              <a:t>NVENC – </a:t>
+            </a:r>
+            <a:r>
+              <a:rPr lang="sr-Latn-RS" dirty="0"/>
+              <a:t>kodiranje na grafičkoj kartici</a:t>
+            </a:r>
+          </a:p>
+          <a:p>
+            <a:pPr lvl="1"/>
+            <a:r>
+              <a:rPr lang="sr-Latn-RS" dirty="0"/>
+              <a:t>Proces optimizovan za slanje u realnom vremenu</a:t>
+            </a:r>
+            <a:endParaRPr lang="en-US" dirty="0"/>
+          </a:p>
+          <a:p>
+            <a:r>
+              <a:rPr lang="sr-Latn-RS" dirty="0"/>
+              <a:t>Prenos – </a:t>
+            </a:r>
+            <a:r>
+              <a:rPr lang="sr-Latn-RS" i="1" dirty="0" err="1"/>
+              <a:t>WebRTC</a:t>
+            </a:r>
+            <a:endParaRPr lang="sr-Latn-RS" i="1" dirty="0"/>
+          </a:p>
+          <a:p>
+            <a:pPr lvl="1"/>
+            <a:r>
+              <a:rPr lang="sr-Latn-RS" dirty="0"/>
+              <a:t>Ugrađen server za signalizaciju – proizvođači i potrošači</a:t>
+            </a:r>
+          </a:p>
+          <a:p>
+            <a:r>
+              <a:rPr lang="sr-Latn-RS" dirty="0"/>
+              <a:t>Element </a:t>
+            </a:r>
+            <a:r>
+              <a:rPr lang="sr-Latn-RS" i="1" dirty="0" err="1"/>
+              <a:t>queue</a:t>
+            </a:r>
+            <a:endParaRPr lang="sr-Latn-RS" i="1" dirty="0"/>
+          </a:p>
+          <a:p>
+            <a:pPr lvl="1"/>
+            <a:r>
+              <a:rPr lang="sr-Latn-RS" dirty="0"/>
+              <a:t>Razdvajanje cevovoda u dve niti</a:t>
+            </a:r>
+          </a:p>
+        </p:txBody>
+      </p:sp>
+      <p:pic>
+        <p:nvPicPr>
+          <p:cNvPr id="5" name="Picture 4">
+            <a:extLst>
+              <a:ext uri="{FF2B5EF4-FFF2-40B4-BE49-F238E27FC236}">
+                <a16:creationId xmlns:a16="http://schemas.microsoft.com/office/drawing/2014/main" id="{2D48D5E6-1EB3-BBCB-4D45-8C923AD4EB4F}"/>
+              </a:ext>
+            </a:extLst>
+          </p:cNvPr>
+          <p:cNvPicPr>
+            <a:picLocks noChangeAspect="1"/>
+          </p:cNvPicPr>
+          <p:nvPr/>
+        </p:nvPicPr>
+        <p:blipFill>
+          <a:blip r:embed="rId2">
+            <a:extLst>
+              <a:ext uri="{28A0092B-C50C-407E-A947-70E740481C1C}">
+                <a14:useLocalDpi xmlns:a14="http://schemas.microsoft.com/office/drawing/2010/main" val="0"/>
+              </a:ext>
+            </a:extLst>
+          </a:blip>
+          <a:stretch>
+            <a:fillRect/>
+          </a:stretch>
+        </p:blipFill>
+        <p:spPr>
+          <a:xfrm>
+            <a:off x="2405062" y="5154719"/>
+            <a:ext cx="7381875" cy="714375"/>
+          </a:xfrm>
+          <a:prstGeom prst="rect">
+            <a:avLst/>
+          </a:prstGeom>
+        </p:spPr>
+      </p:pic>
+    </p:spTree>
+    <p:extLst>
+      <p:ext uri="{BB962C8B-B14F-4D97-AF65-F5344CB8AC3E}">
+        <p14:creationId xmlns:p14="http://schemas.microsoft.com/office/powerpoint/2010/main" val="1884742440"/>
+      </p:ext>
+    </p:extLst>
+  </p:cSld>
+  <p:clrMapOvr>
+    <a:masterClrMapping/>
+  </p:clrMapOvr>
+</p:sld>
+</file>
+
+<file path=ppt/slides/slide12.xml><?xml version="1.0" encoding="utf-8"?>
+<p:sld xmlns:a="http://schemas.openxmlformats.org/drawingml/2006/main" xmlns:r="http://schemas.openxmlformats.org/officeDocument/2006/relationships" xmlns:p="http://schemas.openxmlformats.org/presentationml/2006/main">
+  <p:cSld>
+    <p:spTree>
+      <p:nvGrpSpPr>
+        <p:cNvPr id="1" name=""/>
+        <p:cNvGrpSpPr/>
+        <p:nvPr/>
+      </p:nvGrpSpPr>
+      <p:grpSpPr>
+        <a:xfrm>
+          <a:off x="0" y="0"/>
+          <a:ext cx="0" cy="0"/>
+          <a:chOff x="0" y="0"/>
+          <a:chExt cx="0" cy="0"/>
+        </a:xfrm>
+      </p:grpSpPr>
+      <p:sp>
+        <p:nvSpPr>
+          <p:cNvPr id="2" name="Title 1">
+            <a:extLst>
+              <a:ext uri="{FF2B5EF4-FFF2-40B4-BE49-F238E27FC236}">
                 <a16:creationId xmlns:a16="http://schemas.microsoft.com/office/drawing/2014/main" id="{9D78EC49-30FA-310F-FC05-7309CEBE8CC8}"/>
               </a:ext>
             </a:extLst>
@@ -4156,10 +4483,10 @@
               <a:t>Prenos – </a:t>
             </a:r>
             <a:r>
-              <a:rPr lang="sr-Latn-RS" dirty="0" err="1"/>
+              <a:rPr lang="sr-Latn-RS" i="1" dirty="0" err="1"/>
               <a:t>WebRTC</a:t>
             </a:r>
-            <a:endParaRPr lang="sr-Latn-RS" dirty="0"/>
+            <a:endParaRPr lang="sr-Latn-RS" i="1" dirty="0"/>
           </a:p>
           <a:p>
             <a:r>
@@ -4171,22 +4498,14 @@
             <a:pPr lvl="1"/>
             <a:r>
               <a:rPr lang="sr-Latn-RS" dirty="0"/>
-              <a:t>Jedinstveni cevovod za sliku i zvuk – sinhronizacija, ali veće kašnjenje</a:t>
+              <a:t>Jedinstveni cevovod za sliku i zvuk – sinhronizacija, veće kašnjenje</a:t>
             </a:r>
           </a:p>
           <a:p>
             <a:pPr lvl="1"/>
             <a:r>
               <a:rPr lang="sr-Latn-RS" dirty="0"/>
-              <a:t>Dva odvojena cevovoda – manje </a:t>
-            </a:r>
-            <a:r>
-              <a:rPr lang="sr-Latn-RS" dirty="0" err="1"/>
-              <a:t>kašnenje</a:t>
-            </a:r>
-            <a:r>
-              <a:rPr lang="sr-Latn-RS" dirty="0"/>
-              <a:t>, moguća neusaglašenost</a:t>
+              <a:t>Dva odvojena cevovoda – manje kašnjenje, moguća neusaglašenost</a:t>
             </a:r>
           </a:p>
           <a:p>
@@ -4199,6 +4518,42 @@
           </a:p>
         </p:txBody>
       </p:sp>
+      <p:pic>
+        <p:nvPicPr>
+          <p:cNvPr id="5" name="Picture 4">
+            <a:extLst>
+              <a:ext uri="{FF2B5EF4-FFF2-40B4-BE49-F238E27FC236}">
+                <a16:creationId xmlns:a16="http://schemas.microsoft.com/office/drawing/2014/main" id="{3A262E1C-0F95-84F5-40C5-148C19003043}"/>
+              </a:ext>
+            </a:extLst>
+          </p:cNvPr>
+          <p:cNvPicPr>
+            <a:picLocks noChangeAspect="1"/>
+          </p:cNvPicPr>
+          <p:nvPr/>
+        </p:nvPicPr>
+        <p:blipFill>
+          <a:blip r:embed="rId2">
+            <a:extLst>
+              <a:ext uri="{28A0092B-C50C-407E-A947-70E740481C1C}">
+                <a14:useLocalDpi xmlns:a14="http://schemas.microsoft.com/office/drawing/2010/main" val="0"/>
+              </a:ext>
+            </a:extLst>
+          </a:blip>
+          <a:stretch>
+            <a:fillRect/>
+          </a:stretch>
+        </p:blipFill>
+        <p:spPr>
+          <a:xfrm>
+            <a:off x="2405062" y="5154719"/>
+            <a:ext cx="7381875" cy="714375"/>
+          </a:xfrm>
+          <a:prstGeom prst="rect">
+            <a:avLst/>
+          </a:prstGeom>
+        </p:spPr>
+      </p:pic>
     </p:spTree>
     <p:extLst>
       <p:ext uri="{BB962C8B-B14F-4D97-AF65-F5344CB8AC3E}">
@@ -4212,7 +4567,7 @@
 </p:sld>
 </file>
 
-<file path=ppt/slides/slide12.xml><?xml version="1.0" encoding="utf-8"?>
+<file path=ppt/slides/slide13.xml><?xml version="1.0" encoding="utf-8"?>
 <p:sld xmlns:a="http://schemas.openxmlformats.org/drawingml/2006/main" xmlns:r="http://schemas.openxmlformats.org/officeDocument/2006/relationships" xmlns:p="http://schemas.openxmlformats.org/presentationml/2006/main">
   <p:cSld>
     <p:spTree>
@@ -4411,100 +4766,6 @@
 </p:sld>
 </file>
 
-<file path=ppt/slides/slide13.xml><?xml version="1.0" encoding="utf-8"?>
-<p:sld xmlns:a="http://schemas.openxmlformats.org/drawingml/2006/main" xmlns:r="http://schemas.openxmlformats.org/officeDocument/2006/relationships" xmlns:p="http://schemas.openxmlformats.org/presentationml/2006/main">
-  <p:cSld>
-    <p:spTree>
-      <p:nvGrpSpPr>
-        <p:cNvPr id="1" name=""/>
-        <p:cNvGrpSpPr/>
-        <p:nvPr/>
-      </p:nvGrpSpPr>
-      <p:grpSpPr>
-        <a:xfrm>
-          <a:off x="0" y="0"/>
-          <a:ext cx="0" cy="0"/>
-          <a:chOff x="0" y="0"/>
-          <a:chExt cx="0" cy="0"/>
-        </a:xfrm>
-      </p:grpSpPr>
-      <p:sp>
-        <p:nvSpPr>
-          <p:cNvPr id="2" name="Title 1">
-            <a:extLst>
-              <a:ext uri="{FF2B5EF4-FFF2-40B4-BE49-F238E27FC236}">
-                <a16:creationId xmlns:a16="http://schemas.microsoft.com/office/drawing/2014/main" id="{A9C5A597-2D38-A14A-D555-DDA4B3BEC4F9}"/>
-              </a:ext>
-            </a:extLst>
-          </p:cNvPr>
-          <p:cNvSpPr>
-            <a:spLocks noGrp="1"/>
-          </p:cNvSpPr>
-          <p:nvPr>
-            <p:ph type="title"/>
-          </p:nvPr>
-        </p:nvSpPr>
-        <p:spPr/>
-        <p:txBody>
-          <a:bodyPr/>
-          <a:lstStyle/>
-          <a:p>
-            <a:r>
-              <a:rPr lang="sr-Latn-RS" dirty="0"/>
-              <a:t>Upravljanje igrom</a:t>
-            </a:r>
-            <a:endParaRPr lang="en-GB" dirty="0"/>
-          </a:p>
-        </p:txBody>
-      </p:sp>
-      <p:sp>
-        <p:nvSpPr>
-          <p:cNvPr id="3" name="Content Placeholder 2">
-            <a:extLst>
-              <a:ext uri="{FF2B5EF4-FFF2-40B4-BE49-F238E27FC236}">
-                <a16:creationId xmlns:a16="http://schemas.microsoft.com/office/drawing/2014/main" id="{56B1818B-F830-F674-A30A-67D63CA08B69}"/>
-              </a:ext>
-            </a:extLst>
-          </p:cNvPr>
-          <p:cNvSpPr>
-            <a:spLocks noGrp="1"/>
-          </p:cNvSpPr>
-          <p:nvPr>
-            <p:ph idx="1"/>
-          </p:nvPr>
-        </p:nvSpPr>
-        <p:spPr/>
-        <p:txBody>
-          <a:bodyPr/>
-          <a:lstStyle/>
-          <a:p>
-            <a:r>
-              <a:rPr lang="sr-Latn-RS" dirty="0"/>
-              <a:t>Keširanje igara</a:t>
-            </a:r>
-          </a:p>
-          <a:p>
-            <a:r>
-              <a:rPr lang="sr-Latn-RS" dirty="0" err="1"/>
-              <a:t>Metapodaci</a:t>
-            </a:r>
-            <a:endParaRPr lang="en-GB" dirty="0"/>
-          </a:p>
-        </p:txBody>
-      </p:sp>
-    </p:spTree>
-    <p:extLst>
-      <p:ext uri="{BB962C8B-B14F-4D97-AF65-F5344CB8AC3E}">
-        <p14:creationId xmlns:p14="http://schemas.microsoft.com/office/powerpoint/2010/main" val="4184914717"/>
-      </p:ext>
-    </p:extLst>
-  </p:cSld>
-  <p:clrMapOvr>
-    <a:masterClrMapping/>
-  </p:clrMapOvr>
-</p:sld>
-</file>
-
 <file path=ppt/slides/slide14.xml><?xml version="1.0" encoding="utf-8"?>
 <p:sld xmlns:a="http://schemas.openxmlformats.org/drawingml/2006/main" xmlns:r="http://schemas.openxmlformats.org/officeDocument/2006/relationships" xmlns:p="http://schemas.openxmlformats.org/presentationml/2006/main">
   <p:cSld>
@@ -4569,12 +4830,14 @@
         </p:nvSpPr>
         <p:spPr/>
         <p:txBody>
-          <a:bodyPr/>
+          <a:bodyPr>
+            <a:normAutofit/>
+          </a:bodyPr>
           <a:lstStyle/>
           <a:p>
             <a:r>
               <a:rPr lang="sr-Latn-RS" dirty="0"/>
-              <a:t>Kompletan servis pokrenut na jednoj mašini</a:t>
+              <a:t>Kompletan servis pokrenut na jednom ličnom računaru</a:t>
             </a:r>
           </a:p>
           <a:p>
@@ -4592,6 +4855,7 @@
               <a:rPr lang="sr-Latn-RS" dirty="0"/>
               <a:t>Mašina na lokalnoj mreži</a:t>
             </a:r>
+            <a:endParaRPr lang="sr-Latn-RS" i="1" dirty="0"/>
           </a:p>
           <a:p>
             <a:pPr marL="544068" lvl="1" indent="-342900">
@@ -4621,19 +4885,6 @@
             <a:r>
               <a:rPr lang="sr-Latn-RS" dirty="0"/>
               <a:t>Funkcionalni zahtevi ispunjeni</a:t>
-            </a:r>
-          </a:p>
-          <a:p>
-            <a:r>
-              <a:rPr lang="sr-Latn-RS" dirty="0"/>
-              <a:t>Evaluacija metrika</a:t>
-            </a:r>
-          </a:p>
-          <a:p>
-            <a:pPr lvl="1"/>
-            <a:r>
-              <a:rPr lang="sr-Latn-RS" dirty="0"/>
-              <a:t>Izmerene vrednosti ____</a:t>
             </a:r>
           </a:p>
         </p:txBody>
@@ -4666,20 +4917,144 @@
         </p:blipFill>
         <p:spPr>
           <a:xfrm>
-            <a:off x="6622542" y="1949585"/>
-            <a:ext cx="4133850" cy="2325291"/>
+            <a:off x="5986272" y="2596971"/>
+            <a:ext cx="5169408" cy="2907792"/>
           </a:xfrm>
           <a:prstGeom prst="rect">
             <a:avLst/>
           </a:prstGeom>
         </p:spPr>
       </p:pic>
+    </p:spTree>
+    <p:extLst>
+      <p:ext uri="{BB962C8B-B14F-4D97-AF65-F5344CB8AC3E}">
+        <p14:creationId xmlns:p14="http://schemas.microsoft.com/office/powerpoint/2010/main" val="2040301974"/>
+      </p:ext>
+    </p:extLst>
+  </p:cSld>
+  <p:clrMapOvr>
+    <a:masterClrMapping/>
+  </p:clrMapOvr>
+</p:sld>
+</file>
+
+<file path=ppt/slides/slide15.xml><?xml version="1.0" encoding="utf-8"?>
+<p:sld xmlns:a="http://schemas.openxmlformats.org/drawingml/2006/main" xmlns:r="http://schemas.openxmlformats.org/officeDocument/2006/relationships" xmlns:p="http://schemas.openxmlformats.org/presentationml/2006/main">
+  <p:cSld>
+    <p:spTree>
+      <p:nvGrpSpPr>
+        <p:cNvPr id="1" name="">
+          <a:extLst>
+            <a:ext uri="{FF2B5EF4-FFF2-40B4-BE49-F238E27FC236}">
+              <a16:creationId xmlns:a16="http://schemas.microsoft.com/office/drawing/2014/main" id="{BC72AF6E-AF28-211E-29F6-43DB85B8C663}"/>
+            </a:ext>
+          </a:extLst>
+        </p:cNvPr>
+        <p:cNvGrpSpPr/>
+        <p:nvPr/>
+      </p:nvGrpSpPr>
+      <p:grpSpPr>
+        <a:xfrm>
+          <a:off x="0" y="0"/>
+          <a:ext cx="0" cy="0"/>
+          <a:chOff x="0" y="0"/>
+          <a:chExt cx="0" cy="0"/>
+        </a:xfrm>
+      </p:grpSpPr>
+      <p:sp>
+        <p:nvSpPr>
+          <p:cNvPr id="2" name="Title 1">
+            <a:extLst>
+              <a:ext uri="{FF2B5EF4-FFF2-40B4-BE49-F238E27FC236}">
+                <a16:creationId xmlns:a16="http://schemas.microsoft.com/office/drawing/2014/main" id="{D1DD7BA5-C67E-0E9F-AA63-1900CEC2DC41}"/>
+              </a:ext>
+            </a:extLst>
+          </p:cNvPr>
+          <p:cNvSpPr>
+            <a:spLocks noGrp="1"/>
+          </p:cNvSpPr>
+          <p:nvPr>
+            <p:ph type="title"/>
+          </p:nvPr>
+        </p:nvSpPr>
+        <p:spPr/>
+        <p:txBody>
+          <a:bodyPr/>
+          <a:lstStyle/>
+          <a:p>
+            <a:r>
+              <a:rPr lang="sr-Latn-RS" dirty="0"/>
+              <a:t>Evaluacija</a:t>
+            </a:r>
+            <a:endParaRPr lang="en-GB" dirty="0"/>
+          </a:p>
+        </p:txBody>
+      </p:sp>
+      <p:sp>
+        <p:nvSpPr>
+          <p:cNvPr id="3" name="Content Placeholder 2">
+            <a:extLst>
+              <a:ext uri="{FF2B5EF4-FFF2-40B4-BE49-F238E27FC236}">
+                <a16:creationId xmlns:a16="http://schemas.microsoft.com/office/drawing/2014/main" id="{62B249C0-A597-B686-BA67-4A73AE127207}"/>
+              </a:ext>
+            </a:extLst>
+          </p:cNvPr>
+          <p:cNvSpPr>
+            <a:spLocks noGrp="1"/>
+          </p:cNvSpPr>
+          <p:nvPr>
+            <p:ph idx="1"/>
+          </p:nvPr>
+        </p:nvSpPr>
+        <p:spPr/>
+        <p:txBody>
+          <a:bodyPr>
+            <a:normAutofit/>
+          </a:bodyPr>
+          <a:lstStyle/>
+          <a:p>
+            <a:r>
+              <a:rPr lang="sr-Latn-RS" dirty="0"/>
+              <a:t>Evaluacija metrika</a:t>
+            </a:r>
+          </a:p>
+          <a:p>
+            <a:pPr lvl="1"/>
+            <a:r>
+              <a:rPr lang="sr-Latn-RS" dirty="0"/>
+              <a:t>Kašnjenje zavisi od udaljenosti korisnika</a:t>
+            </a:r>
+          </a:p>
+          <a:p>
+            <a:pPr lvl="1"/>
+            <a:r>
+              <a:rPr lang="sr-Latn-RS" dirty="0"/>
+              <a:t>Vreme pokretanja kraće za </a:t>
+            </a:r>
+            <a:r>
+              <a:rPr lang="sr-Latn-RS" dirty="0" err="1"/>
+              <a:t>keširanu</a:t>
+            </a:r>
+            <a:r>
+              <a:rPr lang="sr-Latn-RS" dirty="0"/>
+              <a:t> igru</a:t>
+            </a:r>
+          </a:p>
+          <a:p>
+            <a:pPr lvl="1"/>
+            <a:r>
+              <a:rPr lang="sr-Latn-RS" dirty="0"/>
+              <a:t>Merene vrednosti zadovoljavajuće i ukazuju na upotrebljivost sistema</a:t>
+            </a:r>
+          </a:p>
+        </p:txBody>
+      </p:sp>
       <p:graphicFrame>
         <p:nvGraphicFramePr>
           <p:cNvPr id="7" name="Table 6">
             <a:extLst>
               <a:ext uri="{FF2B5EF4-FFF2-40B4-BE49-F238E27FC236}">
-                <a16:creationId xmlns:a16="http://schemas.microsoft.com/office/drawing/2014/main" id="{83C8651D-500B-4455-7C4D-243298ADA394}"/>
+                <a16:creationId xmlns:a16="http://schemas.microsoft.com/office/drawing/2014/main" id="{A6FEC5F7-B2EF-5E0B-8533-F4A49587A090}"/>
               </a:ext>
             </a:extLst>
           </p:cNvPr>
@@ -4689,13 +5064,13 @@
           <p:nvPr>
             <p:extLst>
               <p:ext uri="{D42A27DB-BD31-4B8C-83A1-F6EECF244321}">
-                <p14:modId xmlns:p14="http://schemas.microsoft.com/office/powerpoint/2010/main" val="2052811782"/>
+                <p14:modId xmlns:p14="http://schemas.microsoft.com/office/powerpoint/2010/main" val="17517342"/>
               </p:ext>
             </p:extLst>
           </p:nvPr>
         </p:nvGraphicFramePr>
         <p:xfrm>
-          <a:off x="4858511" y="4488910"/>
+          <a:off x="1731263" y="4270586"/>
           <a:ext cx="3316224" cy="1816831"/>
         </p:xfrm>
         <a:graphic>
@@ -4762,8 +5137,8 @@
                     <a:lstStyle/>
                     <a:p>
                       <a:r>
-                        <a:rPr lang="sr-Latn-RS" sz="1400" dirty="0"/>
-                        <a:t>KAŠNJENJE</a:t>
+                        <a:rPr lang="en-US" sz="1400" dirty="0"/>
+                        <a:t>ODZIV</a:t>
                       </a:r>
                       <a:endParaRPr lang="en-GB" sz="1400" dirty="0"/>
                     </a:p>
@@ -4998,7 +5373,7 @@
           <p:cNvPr id="4" name="Table 3">
             <a:extLst>
               <a:ext uri="{FF2B5EF4-FFF2-40B4-BE49-F238E27FC236}">
-                <a16:creationId xmlns:a16="http://schemas.microsoft.com/office/drawing/2014/main" id="{1DC1DDA3-D1AB-34B0-8CE6-998FE44B0DA6}"/>
+                <a16:creationId xmlns:a16="http://schemas.microsoft.com/office/drawing/2014/main" id="{59FB1800-1279-AD34-FF98-4BE93A1146E2}"/>
               </a:ext>
             </a:extLst>
           </p:cNvPr>
@@ -5008,13 +5383,13 @@
           <p:nvPr>
             <p:extLst>
               <p:ext uri="{D42A27DB-BD31-4B8C-83A1-F6EECF244321}">
-                <p14:modId xmlns:p14="http://schemas.microsoft.com/office/powerpoint/2010/main" val="1205618085"/>
+                <p14:modId xmlns:p14="http://schemas.microsoft.com/office/powerpoint/2010/main" val="3556437969"/>
               </p:ext>
             </p:extLst>
           </p:nvPr>
         </p:nvGraphicFramePr>
         <p:xfrm>
-          <a:off x="8332088" y="4487100"/>
+          <a:off x="7144515" y="4270586"/>
           <a:ext cx="3591687" cy="1818640"/>
         </p:xfrm>
         <a:graphic>
@@ -5315,7 +5690,7 @@
     </p:spTree>
     <p:extLst>
       <p:ext uri="{BB962C8B-B14F-4D97-AF65-F5344CB8AC3E}">
-        <p14:creationId xmlns:p14="http://schemas.microsoft.com/office/powerpoint/2010/main" val="2040301974"/>
+        <p14:creationId xmlns:p14="http://schemas.microsoft.com/office/powerpoint/2010/main" val="2040167620"/>
       </p:ext>
     </p:extLst>
   </p:cSld>
@@ -5325,7 +5700,7 @@
 </p:sld>
 </file>
 
-<file path=ppt/slides/slide15.xml><?xml version="1.0" encoding="utf-8"?>
+<file path=ppt/slides/slide16.xml><?xml version="1.0" encoding="utf-8"?>
 <p:sld xmlns:a="http://schemas.openxmlformats.org/drawingml/2006/main" xmlns:r="http://schemas.openxmlformats.org/officeDocument/2006/relationships" xmlns:p="http://schemas.openxmlformats.org/presentationml/2006/main">
   <p:cSld>
     <p:spTree>
@@ -5395,6 +5770,60 @@
             <a:r>
               <a:rPr lang="sr-Latn-RS" dirty="0"/>
               <a:t>Uspešno implementiran prototip sistema za igranje igara u oblaku</a:t>
+            </a:r>
+          </a:p>
+          <a:p>
+            <a:r>
+              <a:rPr lang="sr-Latn-RS" dirty="0"/>
+              <a:t>Moguća poboljšanja</a:t>
+            </a:r>
+          </a:p>
+          <a:p>
+            <a:pPr lvl="1"/>
+            <a:r>
+              <a:rPr lang="sr-Latn-RS" dirty="0"/>
+              <a:t>Protokol </a:t>
+            </a:r>
+            <a:r>
+              <a:rPr lang="sr-Latn-RS" i="1" dirty="0" err="1"/>
+              <a:t>WebTransport</a:t>
+            </a:r>
+            <a:r>
+              <a:rPr lang="sr-Latn-RS" dirty="0"/>
+              <a:t> – u razvoju</a:t>
+            </a:r>
+          </a:p>
+          <a:p>
+            <a:pPr lvl="1"/>
+            <a:r>
+              <a:rPr lang="sr-Latn-RS" dirty="0"/>
+              <a:t>Tehnike poboljšanja pouzdanosti i sigurnosti</a:t>
+            </a:r>
+          </a:p>
+          <a:p>
+            <a:pPr lvl="1"/>
+            <a:r>
+              <a:rPr lang="sr-Latn-RS" dirty="0"/>
+              <a:t>Algoritam raspoređivanja sesija</a:t>
+            </a:r>
+          </a:p>
+          <a:p>
+            <a:r>
+              <a:rPr lang="sr-Latn-RS" dirty="0"/>
+              <a:t>Mogućnost proširenja u profesionalni sistem</a:t>
+            </a:r>
+          </a:p>
+          <a:p>
+            <a:pPr lvl="1"/>
+            <a:r>
+              <a:rPr lang="sr-Latn-RS" dirty="0"/>
+              <a:t>Neophodni značajni hardverski resursi</a:t>
+            </a:r>
+          </a:p>
+          <a:p>
+            <a:r>
+              <a:rPr lang="sr-Latn-RS" dirty="0"/>
+              <a:t>Mogućnost korišćenja u lične svrhe – kućni server</a:t>
             </a:r>
           </a:p>
           <a:p>
@@ -5546,10 +5975,14 @@
           <a:p>
             <a:r>
               <a:rPr lang="sr-Latn-RS" dirty="0"/>
-              <a:t>Rani primeri: G-</a:t>
-            </a:r>
-            <a:r>
-              <a:rPr lang="sr-Latn-RS" dirty="0" err="1"/>
+              <a:t>Rani primeri: </a:t>
+            </a:r>
+            <a:r>
+              <a:rPr lang="sr-Latn-RS" i="1" dirty="0"/>
+              <a:t>G-</a:t>
+            </a:r>
+            <a:r>
+              <a:rPr lang="sr-Latn-RS" i="1" dirty="0" err="1"/>
               <a:t>Cluster</a:t>
             </a:r>
             <a:r>
@@ -5557,7 +5990,7 @@
               <a:t> (2003), </a:t>
             </a:r>
             <a:r>
-              <a:rPr lang="sr-Latn-RS" dirty="0" err="1"/>
+              <a:rPr lang="sr-Latn-RS" i="1" dirty="0" err="1"/>
               <a:t>OnLive</a:t>
             </a:r>
             <a:r>
@@ -5565,7 +5998,7 @@
               <a:t> i </a:t>
             </a:r>
             <a:r>
-              <a:rPr lang="sr-Latn-RS" dirty="0" err="1"/>
+              <a:rPr lang="sr-Latn-RS" i="1" dirty="0" err="1"/>
               <a:t>Gaikai</a:t>
             </a:r>
             <a:r>
@@ -5579,26 +6012,34 @@
               <a:t>Moderni primeri: </a:t>
             </a:r>
             <a:r>
-              <a:rPr lang="sr-Latn-RS" dirty="0" err="1"/>
+              <a:rPr lang="sr-Latn-RS" i="1" dirty="0" err="1"/>
               <a:t>GeForce</a:t>
             </a:r>
             <a:r>
-              <a:rPr lang="sr-Latn-RS" dirty="0"/>
-              <a:t> NOW, </a:t>
-            </a:r>
-            <a:r>
-              <a:rPr lang="sr-Latn-RS" dirty="0" err="1"/>
+              <a:rPr lang="sr-Latn-RS" i="1" dirty="0"/>
+              <a:t> NOW</a:t>
+            </a:r>
+            <a:r>
+              <a:rPr lang="sr-Latn-RS" dirty="0"/>
+              <a:t>, </a:t>
+            </a:r>
+            <a:r>
+              <a:rPr lang="sr-Latn-RS" i="1" dirty="0" err="1"/>
               <a:t>PlayStation</a:t>
             </a:r>
             <a:r>
-              <a:rPr lang="sr-Latn-RS" dirty="0"/>
-              <a:t> NOW, </a:t>
-            </a:r>
-            <a:r>
-              <a:rPr lang="sr-Latn-RS" dirty="0" err="1"/>
+              <a:rPr lang="sr-Latn-RS" i="1" dirty="0"/>
+              <a:t> NOW</a:t>
+            </a:r>
+            <a:r>
+              <a:rPr lang="sr-Latn-RS" dirty="0"/>
+              <a:t>, </a:t>
+            </a:r>
+            <a:r>
+              <a:rPr lang="sr-Latn-RS" i="1" dirty="0" err="1"/>
               <a:t>Stadia</a:t>
             </a:r>
-            <a:endParaRPr lang="sr-Latn-RS" dirty="0"/>
+            <a:endParaRPr lang="sr-Latn-RS" i="1" dirty="0"/>
           </a:p>
         </p:txBody>
       </p:sp>
@@ -5781,9 +6222,10 @@
           <a:p>
             <a:pPr lvl="1"/>
             <a:r>
-              <a:rPr lang="sr-Latn-RS" dirty="0"/>
-              <a:t>Kašnjenje</a:t>
-            </a:r>
+              <a:rPr lang="en-US" dirty="0" err="1"/>
+              <a:t>Odziv</a:t>
+            </a:r>
+            <a:endParaRPr lang="sr-Latn-RS" dirty="0"/>
           </a:p>
           <a:p>
             <a:pPr lvl="1"/>
@@ -6313,7 +6755,7 @@
         <p:spPr/>
         <p:txBody>
           <a:bodyPr>
-            <a:normAutofit lnSpcReduction="10000"/>
+            <a:normAutofit/>
           </a:bodyPr>
           <a:lstStyle/>
           <a:p>
@@ -6391,24 +6833,6 @@
               <a:t>Python</a:t>
             </a:r>
             <a:endParaRPr lang="sr-Latn-RS" i="1" dirty="0"/>
-          </a:p>
-          <a:p>
-            <a:r>
-              <a:rPr lang="sr-Latn-RS" dirty="0"/>
-              <a:t>Skladište objekata – </a:t>
-            </a:r>
-            <a:r>
-              <a:rPr lang="sr-Latn-RS" i="1" dirty="0" err="1"/>
-              <a:t>MinIO</a:t>
-            </a:r>
-            <a:endParaRPr lang="sr-Latn-RS" i="1" dirty="0"/>
-          </a:p>
-          <a:p>
-            <a:pPr lvl="1"/>
-            <a:r>
-              <a:rPr lang="sr-Latn-RS" dirty="0"/>
-              <a:t>Čuvanje igara i korisničkih datoteka</a:t>
-            </a:r>
           </a:p>
         </p:txBody>
       </p:sp>
@@ -6440,44 +6864,8 @@
         </p:blipFill>
         <p:spPr>
           <a:xfrm>
-            <a:off x="7877175" y="3388254"/>
-            <a:ext cx="2579125" cy="1450758"/>
-          </a:xfrm>
-          <a:prstGeom prst="rect">
-            <a:avLst/>
-          </a:prstGeom>
-        </p:spPr>
-      </p:pic>
-      <p:pic>
-        <p:nvPicPr>
-          <p:cNvPr id="7" name="Picture 6">
-            <a:extLst>
-              <a:ext uri="{FF2B5EF4-FFF2-40B4-BE49-F238E27FC236}">
-                <a16:creationId xmlns:a16="http://schemas.microsoft.com/office/drawing/2014/main" id="{F8171D57-2235-F1BA-A86B-B2244BE6D029}"/>
-              </a:ext>
-            </a:extLst>
-          </p:cNvPr>
-          <p:cNvPicPr>
-            <a:picLocks noChangeAspect="1"/>
-          </p:cNvPicPr>
-          <p:nvPr/>
-        </p:nvPicPr>
-        <p:blipFill>
-          <a:blip r:embed="rId3">
-            <a:extLst>
-              <a:ext uri="{28A0092B-C50C-407E-A947-70E740481C1C}">
-                <a14:useLocalDpi xmlns:a14="http://schemas.microsoft.com/office/drawing/2010/main" val="0"/>
-              </a:ext>
-            </a:extLst>
-          </a:blip>
-          <a:stretch>
-            <a:fillRect/>
-          </a:stretch>
-        </p:blipFill>
-        <p:spPr>
-          <a:xfrm>
-            <a:off x="10094595" y="3343275"/>
-            <a:ext cx="1540715" cy="1540715"/>
+            <a:off x="8602741" y="3098461"/>
+            <a:ext cx="3334888" cy="1875875"/>
           </a:xfrm>
           <a:prstGeom prst="rect">
             <a:avLst/>
@@ -6498,6 +6886,217 @@
 </file>
 
 <file path=ppt/slides/slide8.xml><?xml version="1.0" encoding="utf-8"?>
+<p:sld xmlns:a="http://schemas.openxmlformats.org/drawingml/2006/main" xmlns:r="http://schemas.openxmlformats.org/officeDocument/2006/relationships" xmlns:p="http://schemas.openxmlformats.org/presentationml/2006/main">
+  <p:cSld>
+    <p:spTree>
+      <p:nvGrpSpPr>
+        <p:cNvPr id="1" name=""/>
+        <p:cNvGrpSpPr/>
+        <p:nvPr/>
+      </p:nvGrpSpPr>
+      <p:grpSpPr>
+        <a:xfrm>
+          <a:off x="0" y="0"/>
+          <a:ext cx="0" cy="0"/>
+          <a:chOff x="0" y="0"/>
+          <a:chExt cx="0" cy="0"/>
+        </a:xfrm>
+      </p:grpSpPr>
+      <p:sp>
+        <p:nvSpPr>
+          <p:cNvPr id="2" name="Title 1">
+            <a:extLst>
+              <a:ext uri="{FF2B5EF4-FFF2-40B4-BE49-F238E27FC236}">
+                <a16:creationId xmlns:a16="http://schemas.microsoft.com/office/drawing/2014/main" id="{A9C5A597-2D38-A14A-D555-DDA4B3BEC4F9}"/>
+              </a:ext>
+            </a:extLst>
+          </p:cNvPr>
+          <p:cNvSpPr>
+            <a:spLocks noGrp="1"/>
+          </p:cNvSpPr>
+          <p:nvPr>
+            <p:ph type="title"/>
+          </p:nvPr>
+        </p:nvSpPr>
+        <p:spPr/>
+        <p:txBody>
+          <a:bodyPr/>
+          <a:lstStyle/>
+          <a:p>
+            <a:r>
+              <a:rPr lang="sr-Latn-RS" noProof="0" dirty="0"/>
+              <a:t>Pokretanje igre</a:t>
+            </a:r>
+          </a:p>
+        </p:txBody>
+      </p:sp>
+      <p:sp>
+        <p:nvSpPr>
+          <p:cNvPr id="3" name="Content Placeholder 2">
+            <a:extLst>
+              <a:ext uri="{FF2B5EF4-FFF2-40B4-BE49-F238E27FC236}">
+                <a16:creationId xmlns:a16="http://schemas.microsoft.com/office/drawing/2014/main" id="{56B1818B-F830-F674-A30A-67D63CA08B69}"/>
+              </a:ext>
+            </a:extLst>
+          </p:cNvPr>
+          <p:cNvSpPr>
+            <a:spLocks noGrp="1"/>
+          </p:cNvSpPr>
+          <p:nvPr>
+            <p:ph idx="1"/>
+          </p:nvPr>
+        </p:nvSpPr>
+        <p:spPr/>
+        <p:txBody>
+          <a:bodyPr/>
+          <a:lstStyle/>
+          <a:p>
+            <a:r>
+              <a:rPr lang="sr-Latn-RS" noProof="0" dirty="0"/>
+              <a:t>Skladište objekata – </a:t>
+            </a:r>
+            <a:r>
+              <a:rPr lang="sr-Latn-RS" i="1" noProof="0" dirty="0" err="1"/>
+              <a:t>MinIO</a:t>
+            </a:r>
+            <a:endParaRPr lang="sr-Latn-RS" i="1" noProof="0" dirty="0"/>
+          </a:p>
+          <a:p>
+            <a:pPr lvl="1"/>
+            <a:r>
+              <a:rPr lang="sr-Latn-RS" noProof="0" dirty="0"/>
+              <a:t>Preuzimanje igre i korisničkih datoteka iz skladišta</a:t>
+            </a:r>
+            <a:endParaRPr lang="sr-Latn-RS" i="1" noProof="0" dirty="0"/>
+          </a:p>
+          <a:p>
+            <a:pPr lvl="1"/>
+            <a:r>
+              <a:rPr lang="sr-Latn-RS" noProof="0" dirty="0"/>
+              <a:t>Keširanje igara na lokalnom disku</a:t>
+            </a:r>
+          </a:p>
+          <a:p>
+            <a:pPr lvl="1"/>
+            <a:r>
+              <a:rPr lang="sr-Latn-RS" noProof="0" dirty="0"/>
+              <a:t>Čuvanje korisničkih podataka u skladištu na kraju sesije</a:t>
+            </a:r>
+          </a:p>
+          <a:p>
+            <a:r>
+              <a:rPr lang="sr-Latn-RS" noProof="0" dirty="0"/>
+              <a:t>Igre u vidu jednostavnih izvršnih datoteka</a:t>
+            </a:r>
+          </a:p>
+          <a:p>
+            <a:r>
+              <a:rPr lang="sr-Latn-RS" noProof="0" dirty="0"/>
+              <a:t>Problem – lokacije datoteka igre nisu jednoobrazne</a:t>
+            </a:r>
+          </a:p>
+          <a:p>
+            <a:pPr lvl="1"/>
+            <a:r>
+              <a:rPr lang="sr-Latn-RS" noProof="0" dirty="0"/>
+              <a:t>Rešenje – </a:t>
+            </a:r>
+            <a:r>
+              <a:rPr lang="sr-Latn-RS" noProof="0" dirty="0" err="1"/>
+              <a:t>metapodaci</a:t>
+            </a:r>
+            <a:r>
+              <a:rPr lang="sr-Latn-RS" noProof="0" dirty="0"/>
+              <a:t> za svaku igru</a:t>
+            </a:r>
+          </a:p>
+          <a:p>
+            <a:pPr lvl="1"/>
+            <a:r>
+              <a:rPr lang="sr-Latn-RS" noProof="0" dirty="0"/>
+              <a:t>Lokacija izvršne datoteke i korisničkih podataka na disku</a:t>
+            </a:r>
+          </a:p>
+          <a:p>
+            <a:r>
+              <a:rPr lang="sr-Latn-RS" noProof="0" dirty="0"/>
+              <a:t>Upravljanje procesom igre – </a:t>
+            </a:r>
+            <a:r>
+              <a:rPr lang="sr-Latn-RS" i="1" noProof="0" dirty="0"/>
+              <a:t>Windows </a:t>
+            </a:r>
+            <a:r>
+              <a:rPr lang="sr-Latn-RS" noProof="0" dirty="0"/>
+              <a:t>sistemski pozivi</a:t>
+            </a:r>
+          </a:p>
+          <a:p>
+            <a:pPr lvl="1"/>
+            <a:r>
+              <a:rPr lang="sr-Latn-RS" noProof="0" dirty="0"/>
+              <a:t>Pokretanje i zaustavljanje</a:t>
+            </a:r>
+          </a:p>
+          <a:p>
+            <a:pPr lvl="1"/>
+            <a:r>
+              <a:rPr lang="sr-Latn-RS" noProof="0" dirty="0"/>
+              <a:t>Periodična provera stanja procesa</a:t>
+            </a:r>
+          </a:p>
+        </p:txBody>
+      </p:sp>
+      <p:pic>
+        <p:nvPicPr>
+          <p:cNvPr id="7" name="Picture 6">
+            <a:extLst>
+              <a:ext uri="{FF2B5EF4-FFF2-40B4-BE49-F238E27FC236}">
+                <a16:creationId xmlns:a16="http://schemas.microsoft.com/office/drawing/2014/main" id="{F8171D57-2235-F1BA-A86B-B2244BE6D029}"/>
+              </a:ext>
+            </a:extLst>
+          </p:cNvPr>
+          <p:cNvPicPr>
+            <a:picLocks noChangeAspect="1"/>
+          </p:cNvPicPr>
+          <p:nvPr/>
+        </p:nvPicPr>
+        <p:blipFill>
+          <a:blip r:embed="rId2">
+            <a:extLst>
+              <a:ext uri="{28A0092B-C50C-407E-A947-70E740481C1C}">
+                <a14:useLocalDpi xmlns:a14="http://schemas.microsoft.com/office/drawing/2010/main" val="0"/>
+              </a:ext>
+            </a:extLst>
+          </a:blip>
+          <a:stretch>
+            <a:fillRect/>
+          </a:stretch>
+        </p:blipFill>
+        <p:spPr>
+          <a:xfrm>
+            <a:off x="9272017" y="3059099"/>
+            <a:ext cx="1960958" cy="1960958"/>
+          </a:xfrm>
+          <a:prstGeom prst="rect">
+            <a:avLst/>
+          </a:prstGeom>
+        </p:spPr>
+      </p:pic>
+    </p:spTree>
+    <p:extLst>
+      <p:ext uri="{BB962C8B-B14F-4D97-AF65-F5344CB8AC3E}">
+        <p14:creationId xmlns:p14="http://schemas.microsoft.com/office/powerpoint/2010/main" val="4184914717"/>
+      </p:ext>
+    </p:extLst>
+  </p:cSld>
+  <p:clrMapOvr>
+    <a:masterClrMapping/>
+  </p:clrMapOvr>
+</p:sld>
+</file>
+
+<file path=ppt/slides/slide9.xml><?xml version="1.0" encoding="utf-8"?>
 <p:sld xmlns:a="http://schemas.openxmlformats.org/drawingml/2006/main" xmlns:r="http://schemas.openxmlformats.org/officeDocument/2006/relationships" xmlns:p="http://schemas.openxmlformats.org/presentationml/2006/main">
   <p:cSld>
     <p:spTree>
@@ -6657,274 +7256,6 @@
     <p:extLst>
       <p:ext uri="{BB962C8B-B14F-4D97-AF65-F5344CB8AC3E}">
         <p14:creationId xmlns:p14="http://schemas.microsoft.com/office/powerpoint/2010/main" val="2289879659"/>
-      </p:ext>
-    </p:extLst>
-  </p:cSld>
-  <p:clrMapOvr>
-    <a:masterClrMapping/>
-  </p:clrMapOvr>
-</p:sld>
-</file>
-
-<file path=ppt/slides/slide9.xml><?xml version="1.0" encoding="utf-8"?>
-<p:sld xmlns:a="http://schemas.openxmlformats.org/drawingml/2006/main" xmlns:r="http://schemas.openxmlformats.org/officeDocument/2006/relationships" xmlns:p="http://schemas.openxmlformats.org/presentationml/2006/main">
-  <p:cSld>
-    <p:spTree>
-      <p:nvGrpSpPr>
-        <p:cNvPr id="1" name=""/>
-        <p:cNvGrpSpPr/>
-        <p:nvPr/>
-      </p:nvGrpSpPr>
-      <p:grpSpPr>
-        <a:xfrm>
-          <a:off x="0" y="0"/>
-          <a:ext cx="0" cy="0"/>
-          <a:chOff x="0" y="0"/>
-          <a:chExt cx="0" cy="0"/>
-        </a:xfrm>
-      </p:grpSpPr>
-      <p:sp>
-        <p:nvSpPr>
-          <p:cNvPr id="2" name="Title 1">
-            <a:extLst>
-              <a:ext uri="{FF2B5EF4-FFF2-40B4-BE49-F238E27FC236}">
-                <a16:creationId xmlns:a16="http://schemas.microsoft.com/office/drawing/2014/main" id="{0C29BC5B-12EC-9B88-C5F2-8ED7D26681F4}"/>
-              </a:ext>
-            </a:extLst>
-          </p:cNvPr>
-          <p:cNvSpPr>
-            <a:spLocks noGrp="1"/>
-          </p:cNvSpPr>
-          <p:nvPr>
-            <p:ph type="title"/>
-          </p:nvPr>
-        </p:nvSpPr>
-        <p:spPr/>
-        <p:txBody>
-          <a:bodyPr/>
-          <a:lstStyle/>
-          <a:p>
-            <a:r>
-              <a:rPr lang="sr-Latn-RS" dirty="0" err="1"/>
-              <a:t>WebRTC</a:t>
-            </a:r>
-            <a:endParaRPr lang="en-GB" dirty="0"/>
-          </a:p>
-        </p:txBody>
-      </p:sp>
-      <p:sp>
-        <p:nvSpPr>
-          <p:cNvPr id="3" name="Content Placeholder 2">
-            <a:extLst>
-              <a:ext uri="{FF2B5EF4-FFF2-40B4-BE49-F238E27FC236}">
-                <a16:creationId xmlns:a16="http://schemas.microsoft.com/office/drawing/2014/main" id="{67B1765A-0A38-AC89-04F6-5B579D706C6D}"/>
-              </a:ext>
-            </a:extLst>
-          </p:cNvPr>
-          <p:cNvSpPr>
-            <a:spLocks noGrp="1"/>
-          </p:cNvSpPr>
-          <p:nvPr>
-            <p:ph idx="1"/>
-          </p:nvPr>
-        </p:nvSpPr>
-        <p:spPr/>
-        <p:txBody>
-          <a:bodyPr/>
-          <a:lstStyle/>
-          <a:p>
-            <a:r>
-              <a:rPr lang="sr-Latn-RS" dirty="0"/>
-              <a:t>Protokol za </a:t>
-            </a:r>
-            <a:r>
-              <a:rPr lang="sr-Latn-RS" i="1" dirty="0" err="1"/>
-              <a:t>peer</a:t>
-            </a:r>
-            <a:r>
-              <a:rPr lang="sr-Latn-RS" i="1" dirty="0"/>
-              <a:t>-to-</a:t>
-            </a:r>
-            <a:r>
-              <a:rPr lang="sr-Latn-RS" i="1" dirty="0" err="1"/>
-              <a:t>peer</a:t>
-            </a:r>
-            <a:r>
-              <a:rPr lang="sr-Latn-RS" i="1" dirty="0"/>
-              <a:t> </a:t>
-            </a:r>
-            <a:r>
-              <a:rPr lang="sr-Latn-RS" dirty="0"/>
-              <a:t>multimedijalnu komunikaciju</a:t>
-            </a:r>
-          </a:p>
-          <a:p>
-            <a:pPr lvl="1"/>
-            <a:r>
-              <a:rPr lang="sr-Latn-RS" dirty="0"/>
-              <a:t>Direktna veza radi minimalnog kašnjenja</a:t>
-            </a:r>
-          </a:p>
-          <a:p>
-            <a:r>
-              <a:rPr lang="sr-Latn-RS" dirty="0"/>
-              <a:t>Podržan u svim današnjim pretraživačima</a:t>
-            </a:r>
-          </a:p>
-          <a:p>
-            <a:r>
-              <a:rPr lang="sr-Latn-RS" dirty="0"/>
-              <a:t>Uspostavljanje veze – signalizacija </a:t>
-            </a:r>
-            <a:r>
-              <a:rPr lang="sr-Latn-RS" i="1" dirty="0"/>
-              <a:t>(</a:t>
-            </a:r>
-            <a:r>
-              <a:rPr lang="sr-Latn-RS" i="1" dirty="0" err="1"/>
-              <a:t>signalling</a:t>
-            </a:r>
-            <a:r>
-              <a:rPr lang="sr-Latn-RS" i="1" dirty="0"/>
-              <a:t>)</a:t>
-            </a:r>
-          </a:p>
-          <a:p>
-            <a:pPr lvl="1"/>
-            <a:r>
-              <a:rPr lang="sr-Latn-RS" dirty="0"/>
-              <a:t>Posrednik – server za signalizaciju (</a:t>
-            </a:r>
-            <a:r>
-              <a:rPr lang="sr-Latn-RS" i="1" dirty="0" err="1"/>
-              <a:t>signalling</a:t>
-            </a:r>
-            <a:r>
-              <a:rPr lang="sr-Latn-RS" i="1" dirty="0"/>
-              <a:t> server</a:t>
-            </a:r>
-            <a:r>
-              <a:rPr lang="sr-Latn-RS" dirty="0"/>
-              <a:t>)</a:t>
-            </a:r>
-          </a:p>
-          <a:p>
-            <a:r>
-              <a:rPr lang="sr-Latn-RS" dirty="0"/>
-              <a:t>Problem – komunikacija kroz </a:t>
-            </a:r>
-            <a:r>
-              <a:rPr lang="sr-Latn-RS" i="1" dirty="0"/>
-              <a:t>NAT</a:t>
-            </a:r>
-          </a:p>
-          <a:p>
-            <a:pPr lvl="1"/>
-            <a:r>
-              <a:rPr lang="sr-Latn-RS" dirty="0"/>
-              <a:t>Rešenje – </a:t>
-            </a:r>
-            <a:r>
-              <a:rPr lang="sr-Latn-RS" i="1" dirty="0" err="1"/>
-              <a:t>Interactive</a:t>
-            </a:r>
-            <a:r>
-              <a:rPr lang="sr-Latn-RS" i="1" dirty="0"/>
-              <a:t> </a:t>
-            </a:r>
-            <a:r>
-              <a:rPr lang="sr-Latn-RS" i="1" dirty="0" err="1"/>
-              <a:t>Connectivity</a:t>
-            </a:r>
-            <a:r>
-              <a:rPr lang="sr-Latn-RS" i="1" dirty="0"/>
-              <a:t> </a:t>
-            </a:r>
-            <a:r>
-              <a:rPr lang="sr-Latn-RS" i="1" dirty="0" err="1"/>
-              <a:t>Establishment</a:t>
-            </a:r>
-            <a:r>
-              <a:rPr lang="sr-Latn-RS" dirty="0"/>
-              <a:t> (</a:t>
-            </a:r>
-            <a:r>
-              <a:rPr lang="sr-Latn-RS" i="1" dirty="0"/>
-              <a:t>ICE</a:t>
-            </a:r>
-            <a:r>
-              <a:rPr lang="sr-Latn-RS" dirty="0"/>
-              <a:t>)</a:t>
-            </a:r>
-          </a:p>
-          <a:p>
-            <a:pPr lvl="1"/>
-            <a:r>
-              <a:rPr lang="sr-Latn-RS" i="1" dirty="0"/>
-              <a:t>STUN </a:t>
-            </a:r>
-            <a:r>
-              <a:rPr lang="sr-Latn-RS" dirty="0"/>
-              <a:t>i</a:t>
-            </a:r>
-            <a:r>
-              <a:rPr lang="sr-Latn-RS" i="1" dirty="0"/>
-              <a:t> TURN </a:t>
-            </a:r>
-            <a:r>
-              <a:rPr lang="sr-Latn-RS" dirty="0"/>
-              <a:t>serveri</a:t>
-            </a:r>
-          </a:p>
-          <a:p>
-            <a:r>
-              <a:rPr lang="sr-Latn-RS" dirty="0"/>
-              <a:t>U našem sistemu – prenos prikaza igre od servera do korisnika</a:t>
-            </a:r>
-            <a:endParaRPr lang="en-GB" dirty="0"/>
-          </a:p>
-        </p:txBody>
-      </p:sp>
-      <p:pic>
-        <p:nvPicPr>
-          <p:cNvPr id="5" name="Picture 4">
-            <a:extLst>
-              <a:ext uri="{FF2B5EF4-FFF2-40B4-BE49-F238E27FC236}">
-                <a16:creationId xmlns:a16="http://schemas.microsoft.com/office/drawing/2014/main" id="{BB084316-B59F-C8A0-34ED-4E6B412B7120}"/>
-              </a:ext>
-            </a:extLst>
-          </p:cNvPr>
-          <p:cNvPicPr>
-            <a:picLocks noChangeAspect="1"/>
-          </p:cNvPicPr>
-          <p:nvPr/>
-        </p:nvPicPr>
-        <p:blipFill>
-          <a:blip r:embed="rId2">
-            <a:extLst>
-              <a:ext uri="{28A0092B-C50C-407E-A947-70E740481C1C}">
-                <a14:useLocalDpi xmlns:a14="http://schemas.microsoft.com/office/drawing/2010/main" val="0"/>
-              </a:ext>
-            </a:extLst>
-          </a:blip>
-          <a:stretch>
-            <a:fillRect/>
-          </a:stretch>
-        </p:blipFill>
-        <p:spPr>
-          <a:xfrm>
-            <a:off x="6771709" y="2095045"/>
-            <a:ext cx="5036244" cy="2667909"/>
-          </a:xfrm>
-          <a:prstGeom prst="rect">
-            <a:avLst/>
-          </a:prstGeom>
-        </p:spPr>
-      </p:pic>
-    </p:spTree>
-    <p:extLst>
-      <p:ext uri="{BB962C8B-B14F-4D97-AF65-F5344CB8AC3E}">
-        <p14:creationId xmlns:p14="http://schemas.microsoft.com/office/powerpoint/2010/main" val="1106862112"/>
       </p:ext>
     </p:extLst>
   </p:cSld>
